--- a/report/project.pptx
+++ b/report/project.pptx
@@ -5,7 +5,7 @@
     <p:sldMasterId id="2147483648" r:id="rId1"/>
   </p:sldMasterIdLst>
   <p:notesMasterIdLst>
-    <p:notesMasterId r:id="rId20"/>
+    <p:notesMasterId r:id="rId22"/>
   </p:notesMasterIdLst>
   <p:sldIdLst>
     <p:sldId id="256" r:id="rId2"/>
@@ -19,13 +19,15 @@
     <p:sldId id="264" r:id="rId10"/>
     <p:sldId id="265" r:id="rId11"/>
     <p:sldId id="266" r:id="rId12"/>
-    <p:sldId id="274" r:id="rId13"/>
-    <p:sldId id="268" r:id="rId14"/>
-    <p:sldId id="267" r:id="rId15"/>
-    <p:sldId id="272" r:id="rId16"/>
-    <p:sldId id="270" r:id="rId17"/>
-    <p:sldId id="273" r:id="rId18"/>
-    <p:sldId id="271" r:id="rId19"/>
+    <p:sldId id="268" r:id="rId13"/>
+    <p:sldId id="267" r:id="rId14"/>
+    <p:sldId id="272" r:id="rId15"/>
+    <p:sldId id="270" r:id="rId16"/>
+    <p:sldId id="273" r:id="rId17"/>
+    <p:sldId id="271" r:id="rId18"/>
+    <p:sldId id="274" r:id="rId19"/>
+    <p:sldId id="275" r:id="rId20"/>
+    <p:sldId id="276" r:id="rId21"/>
   </p:sldIdLst>
   <p:sldSz cx="12192000" cy="6858000"/>
   <p:notesSz cx="6858000" cy="9144000"/>
@@ -2512,7 +2514,7 @@
           <a:p>
             <a:fld id="{FD86A284-01E0-41A2-8D91-8BFBEC15E3BE}" type="datetimeFigureOut">
               <a:rPr lang="en-US" smtClean="0"/>
-              <a:t>10/23/2021</a:t>
+              <a:t>10/24/2021</a:t>
             </a:fld>
             <a:endParaRPr lang="en-US"/>
           </a:p>
@@ -3025,7 +3027,7 @@
           <a:p>
             <a:fld id="{09C94E3E-F7F4-4E4A-B83F-A410F06CAA04}" type="datetimeFigureOut">
               <a:rPr lang="en-US" smtClean="0"/>
-              <a:t>10/23/2021</a:t>
+              <a:t>10/24/2021</a:t>
             </a:fld>
             <a:endParaRPr lang="en-US"/>
           </a:p>
@@ -3225,7 +3227,7 @@
           <a:p>
             <a:fld id="{09C94E3E-F7F4-4E4A-B83F-A410F06CAA04}" type="datetimeFigureOut">
               <a:rPr lang="en-US" smtClean="0"/>
-              <a:t>10/23/2021</a:t>
+              <a:t>10/24/2021</a:t>
             </a:fld>
             <a:endParaRPr lang="en-US"/>
           </a:p>
@@ -3435,7 +3437,7 @@
           <a:p>
             <a:fld id="{09C94E3E-F7F4-4E4A-B83F-A410F06CAA04}" type="datetimeFigureOut">
               <a:rPr lang="en-US" smtClean="0"/>
-              <a:t>10/23/2021</a:t>
+              <a:t>10/24/2021</a:t>
             </a:fld>
             <a:endParaRPr lang="en-US"/>
           </a:p>
@@ -3635,7 +3637,7 @@
           <a:p>
             <a:fld id="{09C94E3E-F7F4-4E4A-B83F-A410F06CAA04}" type="datetimeFigureOut">
               <a:rPr lang="en-US" smtClean="0"/>
-              <a:t>10/23/2021</a:t>
+              <a:t>10/24/2021</a:t>
             </a:fld>
             <a:endParaRPr lang="en-US"/>
           </a:p>
@@ -3911,7 +3913,7 @@
           <a:p>
             <a:fld id="{09C94E3E-F7F4-4E4A-B83F-A410F06CAA04}" type="datetimeFigureOut">
               <a:rPr lang="en-US" smtClean="0"/>
-              <a:t>10/23/2021</a:t>
+              <a:t>10/24/2021</a:t>
             </a:fld>
             <a:endParaRPr lang="en-US"/>
           </a:p>
@@ -4179,7 +4181,7 @@
           <a:p>
             <a:fld id="{09C94E3E-F7F4-4E4A-B83F-A410F06CAA04}" type="datetimeFigureOut">
               <a:rPr lang="en-US" smtClean="0"/>
-              <a:t>10/23/2021</a:t>
+              <a:t>10/24/2021</a:t>
             </a:fld>
             <a:endParaRPr lang="en-US"/>
           </a:p>
@@ -4594,7 +4596,7 @@
           <a:p>
             <a:fld id="{09C94E3E-F7F4-4E4A-B83F-A410F06CAA04}" type="datetimeFigureOut">
               <a:rPr lang="en-US" smtClean="0"/>
-              <a:t>10/23/2021</a:t>
+              <a:t>10/24/2021</a:t>
             </a:fld>
             <a:endParaRPr lang="en-US"/>
           </a:p>
@@ -4736,7 +4738,7 @@
           <a:p>
             <a:fld id="{09C94E3E-F7F4-4E4A-B83F-A410F06CAA04}" type="datetimeFigureOut">
               <a:rPr lang="en-US" smtClean="0"/>
-              <a:t>10/23/2021</a:t>
+              <a:t>10/24/2021</a:t>
             </a:fld>
             <a:endParaRPr lang="en-US"/>
           </a:p>
@@ -4849,7 +4851,7 @@
           <a:p>
             <a:fld id="{09C94E3E-F7F4-4E4A-B83F-A410F06CAA04}" type="datetimeFigureOut">
               <a:rPr lang="en-US" smtClean="0"/>
-              <a:t>10/23/2021</a:t>
+              <a:t>10/24/2021</a:t>
             </a:fld>
             <a:endParaRPr lang="en-US"/>
           </a:p>
@@ -5162,7 +5164,7 @@
           <a:p>
             <a:fld id="{09C94E3E-F7F4-4E4A-B83F-A410F06CAA04}" type="datetimeFigureOut">
               <a:rPr lang="en-US" smtClean="0"/>
-              <a:t>10/23/2021</a:t>
+              <a:t>10/24/2021</a:t>
             </a:fld>
             <a:endParaRPr lang="en-US"/>
           </a:p>
@@ -5451,7 +5453,7 @@
           <a:p>
             <a:fld id="{09C94E3E-F7F4-4E4A-B83F-A410F06CAA04}" type="datetimeFigureOut">
               <a:rPr lang="en-US" smtClean="0"/>
-              <a:t>10/23/2021</a:t>
+              <a:t>10/24/2021</a:t>
             </a:fld>
             <a:endParaRPr lang="en-US"/>
           </a:p>
@@ -5700,7 +5702,7 @@
           <a:p>
             <a:fld id="{09C94E3E-F7F4-4E4A-B83F-A410F06CAA04}" type="datetimeFigureOut">
               <a:rPr lang="en-US" smtClean="0"/>
-              <a:t>10/23/2021</a:t>
+              <a:t>10/24/2021</a:t>
             </a:fld>
             <a:endParaRPr lang="en-US"/>
           </a:p>
@@ -6818,32 +6820,22 @@
             </a:pPr>
             <a:r>
               <a:rPr lang="en-US" sz="4000" b="1" dirty="0"/>
-              <a:t>Projecting Vicon points into RealSense pixels</a:t>
-            </a:r>
+              <a:t>Future work - Projecting Vicon points</a:t>
+            </a:r>
+            <a:endParaRPr lang="en-US" sz="3600" dirty="0"/>
           </a:p>
           <a:p>
             <a:pPr lvl="1" algn="l" rtl="0"/>
-            <a:endParaRPr lang="en-US" sz="3200" dirty="0"/>
+            <a:r>
+              <a:rPr lang="en-US" sz="3200" dirty="0"/>
+              <a:t>For previous recordings, try picking frames where the object is as static as possible. Maybe pick the ones after the T-pose.</a:t>
+            </a:r>
           </a:p>
           <a:p>
             <a:pPr lvl="1" algn="l" rtl="0"/>
             <a:r>
               <a:rPr lang="en-US" sz="3200" dirty="0"/>
-              <a:t>Currently working on improving the transformation error:</a:t>
-            </a:r>
-          </a:p>
-          <a:p>
-            <a:pPr lvl="2" algn="l" rtl="0"/>
-            <a:r>
-              <a:rPr lang="en-US" sz="2800" dirty="0"/>
-              <a:t>For future recordings by placing a static object for calibration.</a:t>
-            </a:r>
-          </a:p>
-          <a:p>
-            <a:pPr lvl="2" algn="l" rtl="0"/>
-            <a:r>
-              <a:rPr lang="en-US" sz="2800" dirty="0"/>
-              <a:t>For previous recordings by picking frames where the object is as static as possible.</a:t>
+              <a:t>For future recordings, calculate the calibration matrix based on the calibration device was built for this task.</a:t>
             </a:r>
           </a:p>
           <a:p>
@@ -6860,10 +6852,98 @@
           </a:p>
         </p:txBody>
       </p:sp>
+      <p:sp>
+        <p:nvSpPr>
+          <p:cNvPr id="5" name="Rectangle 4">
+            <a:extLst>
+              <a:ext uri="{FF2B5EF4-FFF2-40B4-BE49-F238E27FC236}">
+                <a16:creationId xmlns:a16="http://schemas.microsoft.com/office/drawing/2014/main" id="{83182293-3E99-4121-A710-A81418660C47}"/>
+              </a:ext>
+            </a:extLst>
+          </p:cNvPr>
+          <p:cNvSpPr/>
+          <p:nvPr/>
+        </p:nvSpPr>
+        <p:spPr>
+          <a:xfrm>
+            <a:off x="79900" y="71020"/>
+            <a:ext cx="12011486" cy="6693763"/>
+          </a:xfrm>
+          <a:prstGeom prst="rect">
+            <a:avLst/>
+          </a:prstGeom>
+          <a:noFill/>
+          <a:ln w="190500">
+            <a:solidFill>
+              <a:schemeClr val="accent1"/>
+            </a:solidFill>
+          </a:ln>
+        </p:spPr>
+        <p:style>
+          <a:lnRef idx="2">
+            <a:schemeClr val="accent1">
+              <a:shade val="50000"/>
+            </a:schemeClr>
+          </a:lnRef>
+          <a:fillRef idx="1">
+            <a:schemeClr val="accent1"/>
+          </a:fillRef>
+          <a:effectRef idx="0">
+            <a:schemeClr val="accent1"/>
+          </a:effectRef>
+          <a:fontRef idx="minor">
+            <a:schemeClr val="lt1"/>
+          </a:fontRef>
+        </p:style>
+        <p:txBody>
+          <a:bodyPr rtlCol="0" anchor="ctr"/>
+          <a:lstStyle/>
+          <a:p>
+            <a:pPr algn="ctr"/>
+            <a:endParaRPr lang="en-US" dirty="0"/>
+          </a:p>
+        </p:txBody>
+      </p:sp>
+      <p:pic>
+        <p:nvPicPr>
+          <p:cNvPr id="8" name="Picture 7" descr="A picture containing box&#10;&#10;Description automatically generated">
+            <a:extLst>
+              <a:ext uri="{FF2B5EF4-FFF2-40B4-BE49-F238E27FC236}">
+                <a16:creationId xmlns:a16="http://schemas.microsoft.com/office/drawing/2014/main" id="{5FCFA66D-856F-40B4-A967-DB31AD079C27}"/>
+              </a:ext>
+            </a:extLst>
+          </p:cNvPr>
+          <p:cNvPicPr>
+            <a:picLocks noChangeAspect="1"/>
+          </p:cNvPicPr>
+          <p:nvPr/>
+        </p:nvPicPr>
+        <p:blipFill>
+          <a:blip r:embed="rId2">
+            <a:extLst>
+              <a:ext uri="{28A0092B-C50C-407E-A947-70E740481C1C}">
+                <a14:useLocalDpi xmlns:a14="http://schemas.microsoft.com/office/drawing/2010/main" val="0"/>
+              </a:ext>
+            </a:extLst>
+          </a:blip>
+          <a:stretch>
+            <a:fillRect/>
+          </a:stretch>
+        </p:blipFill>
+        <p:spPr>
+          <a:xfrm>
+            <a:off x="7750158" y="4183793"/>
+            <a:ext cx="2911924" cy="2296905"/>
+          </a:xfrm>
+          <a:prstGeom prst="rect">
+            <a:avLst/>
+          </a:prstGeom>
+        </p:spPr>
+      </p:pic>
     </p:spTree>
     <p:extLst>
       <p:ext uri="{BB962C8B-B14F-4D97-AF65-F5344CB8AC3E}">
-        <p14:creationId xmlns:p14="http://schemas.microsoft.com/office/powerpoint/2010/main" val="1474411986"/>
+        <p14:creationId xmlns:p14="http://schemas.microsoft.com/office/powerpoint/2010/main" val="2718208607"/>
       </p:ext>
     </p:extLst>
   </p:cSld>
@@ -6930,10 +7010,10 @@
             <a:r>
               <a:rPr lang="en-US" sz="3200" dirty="0">
                 <a:solidFill>
-                  <a:srgbClr val="0070C0"/>
+                  <a:srgbClr val="00B050"/>
                 </a:solidFill>
               </a:rPr>
-              <a:t>Posture estimation from RGB-D images</a:t>
+              <a:t>Age prediction from posture</a:t>
             </a:r>
             <a:br>
               <a:rPr lang="en-US" dirty="0"/>
@@ -6970,96 +7050,58 @@
           </a:bodyPr>
           <a:lstStyle/>
           <a:p>
-            <a:pPr marL="0" indent="0" algn="l" rtl="0">
-              <a:buNone/>
-            </a:pPr>
-            <a:r>
-              <a:rPr lang="en-US" sz="4000" b="1" dirty="0"/>
-              <a:t>To be done - Projecting Vicon points</a:t>
-            </a:r>
-            <a:endParaRPr lang="en-US" sz="3200" dirty="0"/>
-          </a:p>
-          <a:p>
-            <a:pPr lvl="2" algn="l" rtl="0"/>
-            <a:endParaRPr lang="en-US" sz="3600" dirty="0"/>
-          </a:p>
-          <a:p>
-            <a:pPr lvl="1" algn="l" rtl="0"/>
-            <a:r>
-              <a:rPr lang="en-US" sz="3200" dirty="0"/>
-              <a:t>For previous recordings, try picking frames where the object is as static as possible. Maybe pick the ones after the T-pose (?).</a:t>
-            </a:r>
-          </a:p>
-          <a:p>
-            <a:pPr marL="914400" lvl="2" indent="0" algn="l" rtl="0">
-              <a:buNone/>
-            </a:pPr>
-            <a:endParaRPr lang="en-US" sz="2800" dirty="0"/>
-          </a:p>
-          <a:p>
             <a:pPr marL="457200" lvl="1" indent="0" algn="l" rtl="0">
               <a:buNone/>
             </a:pPr>
-            <a:endParaRPr lang="en-US" sz="2800" dirty="0"/>
-          </a:p>
-        </p:txBody>
-      </p:sp>
-      <p:sp>
-        <p:nvSpPr>
-          <p:cNvPr id="4" name="Rectangle 3">
-            <a:extLst>
-              <a:ext uri="{FF2B5EF4-FFF2-40B4-BE49-F238E27FC236}">
-                <a16:creationId xmlns:a16="http://schemas.microsoft.com/office/drawing/2014/main" id="{088F1D6F-9406-4283-B81A-8EBC19A8414E}"/>
-              </a:ext>
-            </a:extLst>
-          </p:cNvPr>
-          <p:cNvSpPr/>
-          <p:nvPr/>
-        </p:nvSpPr>
-        <p:spPr>
-          <a:xfrm>
-            <a:off x="79900" y="71020"/>
-            <a:ext cx="12011486" cy="6693763"/>
-          </a:xfrm>
-          <a:prstGeom prst="rect">
-            <a:avLst/>
-          </a:prstGeom>
-          <a:noFill/>
-          <a:ln w="190500">
-            <a:solidFill>
-              <a:srgbClr val="0070C0"/>
-            </a:solidFill>
-          </a:ln>
-        </p:spPr>
-        <p:style>
-          <a:lnRef idx="2">
-            <a:schemeClr val="accent1">
-              <a:shade val="50000"/>
-            </a:schemeClr>
-          </a:lnRef>
-          <a:fillRef idx="1">
-            <a:schemeClr val="accent1"/>
-          </a:fillRef>
-          <a:effectRef idx="0">
-            <a:schemeClr val="accent1"/>
-          </a:effectRef>
-          <a:fontRef idx="minor">
-            <a:schemeClr val="lt1"/>
-          </a:fontRef>
-        </p:style>
-        <p:txBody>
-          <a:bodyPr rtlCol="0" anchor="ctr"/>
-          <a:lstStyle/>
-          <a:p>
-            <a:pPr algn="ctr"/>
-            <a:endParaRPr lang="en-US" dirty="0"/>
+            <a:r>
+              <a:rPr lang="en-US" sz="3200" b="1" dirty="0"/>
+              <a:t>Dataset – Overview &amp; Challenges</a:t>
+            </a:r>
+            <a:endParaRPr lang="en-US" sz="3200" dirty="0"/>
+          </a:p>
+          <a:p>
+            <a:pPr lvl="1" algn="l" rtl="0"/>
+            <a:r>
+              <a:rPr lang="en-US" sz="3200" dirty="0"/>
+              <a:t>~250,000 samples, each sample has 39 3d points, and age as label. </a:t>
+            </a:r>
+          </a:p>
+          <a:p>
+            <a:pPr lvl="1" algn="l" rtl="0"/>
+            <a:r>
+              <a:rPr lang="en-US" sz="3200" dirty="0"/>
+              <a:t>Dataset consists of only 23 different people.</a:t>
+            </a:r>
+          </a:p>
+          <a:p>
+            <a:pPr lvl="1" algn="l" rtl="0"/>
+            <a:r>
+              <a:rPr lang="en-US" sz="3200" dirty="0"/>
+              <a:t>Many of the samples are “duplicates” due to the Vicon high FPS.</a:t>
+            </a:r>
+          </a:p>
+          <a:p>
+            <a:pPr lvl="1" algn="l" rtl="0"/>
+            <a:r>
+              <a:rPr lang="en-US" sz="3200" dirty="0"/>
+              <a:t>Dataset is imbalanced: there are 7 ‘old’ people and 16 ‘young’ people.</a:t>
+            </a:r>
+          </a:p>
+          <a:p>
+            <a:pPr marL="457200" lvl="1" indent="0" algn="l" rtl="0">
+              <a:buNone/>
+            </a:pPr>
+            <a:r>
+              <a:rPr lang="en-US" sz="2800" dirty="0"/>
+              <a:t>	</a:t>
+            </a:r>
           </a:p>
         </p:txBody>
       </p:sp>
     </p:spTree>
     <p:extLst>
       <p:ext uri="{BB962C8B-B14F-4D97-AF65-F5344CB8AC3E}">
-        <p14:creationId xmlns:p14="http://schemas.microsoft.com/office/powerpoint/2010/main" val="2718208607"/>
+        <p14:creationId xmlns:p14="http://schemas.microsoft.com/office/powerpoint/2010/main" val="984128153"/>
       </p:ext>
     </p:extLst>
   </p:cSld>
@@ -7162,7 +7204,7 @@
         </p:spPr>
         <p:txBody>
           <a:bodyPr>
-            <a:normAutofit/>
+            <a:normAutofit lnSpcReduction="10000"/>
           </a:bodyPr>
           <a:lstStyle/>
           <a:p>
@@ -7171,7 +7213,7 @@
             </a:pPr>
             <a:r>
               <a:rPr lang="en-US" sz="3200" b="1" dirty="0"/>
-              <a:t>Dataset – Overview &amp; Challenges</a:t>
+              <a:t>Dataset - Overview &amp; Challenges</a:t>
             </a:r>
             <a:endParaRPr lang="en-US" sz="3200" dirty="0"/>
           </a:p>
@@ -7179,28 +7221,38 @@
             <a:pPr lvl="1" algn="l" rtl="0"/>
             <a:r>
               <a:rPr lang="en-US" sz="3200" dirty="0"/>
-              <a:t>~250,000 samples, each sample has 39 3d points, and age as label. </a:t>
+              <a:t>In order to increase the variance in the data, I took only frames that their average Euclidean distance is &gt;= 80mm.</a:t>
             </a:r>
           </a:p>
           <a:p>
             <a:pPr lvl="1" algn="l" rtl="0"/>
+            <a:endParaRPr lang="en-US" sz="3200" dirty="0"/>
+          </a:p>
+          <a:p>
+            <a:pPr lvl="1" algn="l" rtl="0"/>
+            <a:endParaRPr lang="en-US" sz="3200" dirty="0"/>
+          </a:p>
+          <a:p>
+            <a:pPr lvl="1" algn="l" rtl="0"/>
+            <a:endParaRPr lang="en-US" sz="3200" dirty="0"/>
+          </a:p>
+          <a:p>
+            <a:pPr lvl="1" algn="l" rtl="0"/>
+            <a:endParaRPr lang="en-US" sz="3200" dirty="0"/>
+          </a:p>
+          <a:p>
+            <a:pPr lvl="1" algn="l" rtl="0"/>
+            <a:endParaRPr lang="en-US" sz="3200" dirty="0"/>
+          </a:p>
+          <a:p>
+            <a:pPr lvl="1" algn="l" rtl="0"/>
+            <a:endParaRPr lang="en-US" sz="3200" dirty="0"/>
+          </a:p>
+          <a:p>
+            <a:pPr lvl="1" algn="l" rtl="0"/>
             <a:r>
               <a:rPr lang="en-US" sz="3200" dirty="0"/>
-              <a:t>Dataset consists of only 23 different people.</a:t>
-            </a:r>
-          </a:p>
-          <a:p>
-            <a:pPr lvl="1" algn="l" rtl="0"/>
-            <a:r>
-              <a:rPr lang="en-US" sz="3200" dirty="0"/>
-              <a:t>Many of the samples are “duplicates” due to the Vicon high FPS.</a:t>
-            </a:r>
-          </a:p>
-          <a:p>
-            <a:pPr lvl="1" algn="l" rtl="0"/>
-            <a:r>
-              <a:rPr lang="en-US" sz="3200" dirty="0"/>
-              <a:t>Dataset is imbalanced: there are 7 ‘old’ people and 16 ‘young’ people.</a:t>
+              <a:t>After this process there were ~3000 samples left.</a:t>
             </a:r>
           </a:p>
           <a:p>
@@ -7214,10 +7266,46 @@
           </a:p>
         </p:txBody>
       </p:sp>
+      <p:pic>
+        <p:nvPicPr>
+          <p:cNvPr id="5" name="Picture 4" descr="A picture containing text, clock&#10;&#10;Description automatically generated">
+            <a:extLst>
+              <a:ext uri="{FF2B5EF4-FFF2-40B4-BE49-F238E27FC236}">
+                <a16:creationId xmlns:a16="http://schemas.microsoft.com/office/drawing/2014/main" id="{3307E54A-1CB8-40B4-BBAC-2968ED03DECB}"/>
+              </a:ext>
+            </a:extLst>
+          </p:cNvPr>
+          <p:cNvPicPr>
+            <a:picLocks noChangeAspect="1"/>
+          </p:cNvPicPr>
+          <p:nvPr/>
+        </p:nvPicPr>
+        <p:blipFill>
+          <a:blip r:embed="rId2">
+            <a:extLst>
+              <a:ext uri="{28A0092B-C50C-407E-A947-70E740481C1C}">
+                <a14:useLocalDpi xmlns:a14="http://schemas.microsoft.com/office/drawing/2010/main" val="0"/>
+              </a:ext>
+            </a:extLst>
+          </a:blip>
+          <a:stretch>
+            <a:fillRect/>
+          </a:stretch>
+        </p:blipFill>
+        <p:spPr>
+          <a:xfrm>
+            <a:off x="2375969" y="2645543"/>
+            <a:ext cx="7440061" cy="2321980"/>
+          </a:xfrm>
+          <a:prstGeom prst="rect">
+            <a:avLst/>
+          </a:prstGeom>
+        </p:spPr>
+      </p:pic>
     </p:spTree>
     <p:extLst>
       <p:ext uri="{BB962C8B-B14F-4D97-AF65-F5344CB8AC3E}">
-        <p14:creationId xmlns:p14="http://schemas.microsoft.com/office/powerpoint/2010/main" val="984128153"/>
+        <p14:creationId xmlns:p14="http://schemas.microsoft.com/office/powerpoint/2010/main" val="244591184"/>
       </p:ext>
     </p:extLst>
   </p:cSld>
@@ -7314,13 +7402,13 @@
         </p:nvSpPr>
         <p:spPr>
           <a:xfrm>
-            <a:off x="655664" y="1084338"/>
+            <a:off x="655664" y="995561"/>
             <a:ext cx="10515600" cy="5112275"/>
           </a:xfrm>
         </p:spPr>
         <p:txBody>
           <a:bodyPr>
-            <a:normAutofit lnSpcReduction="10000"/>
+            <a:normAutofit/>
           </a:bodyPr>
           <a:lstStyle/>
           <a:p>
@@ -7329,7 +7417,7 @@
             </a:pPr>
             <a:r>
               <a:rPr lang="en-US" sz="3200" b="1" dirty="0"/>
-              <a:t>Dataset - Overview &amp; Challenges</a:t>
+              <a:t>Main Progress - Plan A</a:t>
             </a:r>
             <a:endParaRPr lang="en-US" sz="3200" dirty="0"/>
           </a:p>
@@ -7337,7 +7425,30 @@
             <a:pPr lvl="1" algn="l" rtl="0"/>
             <a:r>
               <a:rPr lang="en-US" sz="3200" dirty="0"/>
-              <a:t>In order to increase the variance in the data, I took only frames that their average Euclidean distance is &gt;= 80mm.</a:t>
+              <a:t>Re-trained </a:t>
+            </a:r>
+            <a:r>
+              <a:rPr lang="en-US" sz="3200" dirty="0" err="1"/>
+              <a:t>PointNet</a:t>
+            </a:r>
+            <a:r>
+              <a:rPr lang="en-US" sz="3200" dirty="0"/>
+              <a:t> on our data, almost “as is” (except for the input layer and the </a:t>
+            </a:r>
+            <a:r>
+              <a:rPr lang="en-US" sz="3200" dirty="0" err="1"/>
+              <a:t>softmax</a:t>
+            </a:r>
+            <a:r>
+              <a:rPr lang="en-US" sz="3200" dirty="0"/>
+              <a:t> dimensions in the output layer). </a:t>
+            </a:r>
+          </a:p>
+          <a:p>
+            <a:pPr lvl="1" algn="l" rtl="0"/>
+            <a:r>
+              <a:rPr lang="en-US" sz="3200" dirty="0"/>
+              <a:t>Resulted in high overfitting, the net learned to classify all samples as “young”.</a:t>
             </a:r>
           </a:p>
           <a:p>
@@ -7347,29 +7458,6 @@
           <a:p>
             <a:pPr lvl="1" algn="l" rtl="0"/>
             <a:endParaRPr lang="en-US" sz="3200" dirty="0"/>
-          </a:p>
-          <a:p>
-            <a:pPr lvl="1" algn="l" rtl="0"/>
-            <a:endParaRPr lang="en-US" sz="3200" dirty="0"/>
-          </a:p>
-          <a:p>
-            <a:pPr lvl="1" algn="l" rtl="0"/>
-            <a:endParaRPr lang="en-US" sz="3200" dirty="0"/>
-          </a:p>
-          <a:p>
-            <a:pPr lvl="1" algn="l" rtl="0"/>
-            <a:endParaRPr lang="en-US" sz="3200" dirty="0"/>
-          </a:p>
-          <a:p>
-            <a:pPr lvl="1" algn="l" rtl="0"/>
-            <a:endParaRPr lang="en-US" sz="3200" dirty="0"/>
-          </a:p>
-          <a:p>
-            <a:pPr lvl="1" algn="l" rtl="0"/>
-            <a:r>
-              <a:rPr lang="en-US" sz="3200" dirty="0"/>
-              <a:t>After this process there were ~3000 samples left.</a:t>
-            </a:r>
           </a:p>
           <a:p>
             <a:pPr marL="457200" lvl="1" indent="0" algn="l" rtl="0">
@@ -7384,10 +7472,10 @@
       </p:sp>
       <p:pic>
         <p:nvPicPr>
-          <p:cNvPr id="5" name="Picture 4" descr="A picture containing text, clock&#10;&#10;Description automatically generated">
-            <a:extLst>
-              <a:ext uri="{FF2B5EF4-FFF2-40B4-BE49-F238E27FC236}">
-                <a16:creationId xmlns:a16="http://schemas.microsoft.com/office/drawing/2014/main" id="{3307E54A-1CB8-40B4-BBAC-2968ED03DECB}"/>
+          <p:cNvPr id="5" name="Picture 4" descr="Graphical user interface, chart&#10;&#10;Description automatically generated">
+            <a:extLst>
+              <a:ext uri="{FF2B5EF4-FFF2-40B4-BE49-F238E27FC236}">
+                <a16:creationId xmlns:a16="http://schemas.microsoft.com/office/drawing/2014/main" id="{CB4F1135-A172-4603-9F8C-C0C3A234D4C4}"/>
               </a:ext>
             </a:extLst>
           </p:cNvPr>
@@ -7410,8 +7498,80 @@
         </p:blipFill>
         <p:spPr>
           <a:xfrm>
-            <a:off x="2375969" y="2645543"/>
-            <a:ext cx="7440061" cy="2321980"/>
+            <a:off x="473662" y="3959980"/>
+            <a:ext cx="3783107" cy="2236633"/>
+          </a:xfrm>
+          <a:prstGeom prst="rect">
+            <a:avLst/>
+          </a:prstGeom>
+        </p:spPr>
+      </p:pic>
+      <p:pic>
+        <p:nvPicPr>
+          <p:cNvPr id="7" name="Picture 6" descr="Graphical user interface, chart, application&#10;&#10;Description automatically generated">
+            <a:extLst>
+              <a:ext uri="{FF2B5EF4-FFF2-40B4-BE49-F238E27FC236}">
+                <a16:creationId xmlns:a16="http://schemas.microsoft.com/office/drawing/2014/main" id="{FDCC19B3-4257-4D40-9929-1105FF43EA4E}"/>
+              </a:ext>
+            </a:extLst>
+          </p:cNvPr>
+          <p:cNvPicPr>
+            <a:picLocks noChangeAspect="1"/>
+          </p:cNvPicPr>
+          <p:nvPr/>
+        </p:nvPicPr>
+        <p:blipFill>
+          <a:blip r:embed="rId3">
+            <a:extLst>
+              <a:ext uri="{28A0092B-C50C-407E-A947-70E740481C1C}">
+                <a14:useLocalDpi xmlns:a14="http://schemas.microsoft.com/office/drawing/2010/main" val="0"/>
+              </a:ext>
+            </a:extLst>
+          </a:blip>
+          <a:stretch>
+            <a:fillRect/>
+          </a:stretch>
+        </p:blipFill>
+        <p:spPr>
+          <a:xfrm>
+            <a:off x="4318300" y="3965549"/>
+            <a:ext cx="3783107" cy="2231064"/>
+          </a:xfrm>
+          <a:prstGeom prst="rect">
+            <a:avLst/>
+          </a:prstGeom>
+        </p:spPr>
+      </p:pic>
+      <p:pic>
+        <p:nvPicPr>
+          <p:cNvPr id="9" name="Picture 8" descr="Chart, line chart, histogram&#10;&#10;Description automatically generated">
+            <a:extLst>
+              <a:ext uri="{FF2B5EF4-FFF2-40B4-BE49-F238E27FC236}">
+                <a16:creationId xmlns:a16="http://schemas.microsoft.com/office/drawing/2014/main" id="{322BD127-C6EA-4EDE-83FC-E103183F1488}"/>
+              </a:ext>
+            </a:extLst>
+          </p:cNvPr>
+          <p:cNvPicPr>
+            <a:picLocks noChangeAspect="1"/>
+          </p:cNvPicPr>
+          <p:nvPr/>
+        </p:nvPicPr>
+        <p:blipFill>
+          <a:blip r:embed="rId4">
+            <a:extLst>
+              <a:ext uri="{28A0092B-C50C-407E-A947-70E740481C1C}">
+                <a14:useLocalDpi xmlns:a14="http://schemas.microsoft.com/office/drawing/2010/main" val="0"/>
+              </a:ext>
+            </a:extLst>
+          </a:blip>
+          <a:stretch>
+            <a:fillRect/>
+          </a:stretch>
+        </p:blipFill>
+        <p:spPr>
+          <a:xfrm>
+            <a:off x="8188251" y="3977197"/>
+            <a:ext cx="3783107" cy="2229906"/>
           </a:xfrm>
           <a:prstGeom prst="rect">
             <a:avLst/>
@@ -7421,7 +7581,7 @@
     </p:spTree>
     <p:extLst>
       <p:ext uri="{BB962C8B-B14F-4D97-AF65-F5344CB8AC3E}">
-        <p14:creationId xmlns:p14="http://schemas.microsoft.com/office/powerpoint/2010/main" val="244591184"/>
+        <p14:creationId xmlns:p14="http://schemas.microsoft.com/office/powerpoint/2010/main" val="3213696490"/>
       </p:ext>
     </p:extLst>
   </p:cSld>
@@ -7524,7 +7684,7 @@
         </p:spPr>
         <p:txBody>
           <a:bodyPr>
-            <a:normAutofit/>
+            <a:normAutofit lnSpcReduction="10000"/>
           </a:bodyPr>
           <a:lstStyle/>
           <a:p>
@@ -7533,7 +7693,7 @@
             </a:pPr>
             <a:r>
               <a:rPr lang="en-US" sz="3200" b="1" dirty="0"/>
-              <a:t>Main steps were done - Plan A</a:t>
+              <a:t>Future work - Plan A</a:t>
             </a:r>
             <a:endParaRPr lang="en-US" sz="3200" dirty="0"/>
           </a:p>
@@ -7541,163 +7701,124 @@
             <a:pPr lvl="1" algn="l" rtl="0"/>
             <a:r>
               <a:rPr lang="en-US" sz="3200" dirty="0"/>
-              <a:t>Re-trained </a:t>
-            </a:r>
-            <a:r>
-              <a:rPr lang="en-US" sz="3200" dirty="0" err="1"/>
+              <a:t>In order to reduce the overfitting:</a:t>
+            </a:r>
+          </a:p>
+          <a:p>
+            <a:pPr lvl="2" algn="l" rtl="0"/>
+            <a:r>
+              <a:rPr lang="en-US" sz="2800" dirty="0"/>
+              <a:t>Reduce the dimensions of the embedding vector in </a:t>
+            </a:r>
+            <a:r>
+              <a:rPr lang="en-US" sz="2800" dirty="0" err="1"/>
               <a:t>PointNet</a:t>
             </a:r>
             <a:r>
-              <a:rPr lang="en-US" sz="3200" dirty="0"/>
-              <a:t> on our data, almost “as is” (except for the input layer and the </a:t>
-            </a:r>
-            <a:r>
-              <a:rPr lang="en-US" sz="3200" dirty="0" err="1"/>
-              <a:t>softmax</a:t>
-            </a:r>
-            <a:r>
-              <a:rPr lang="en-US" sz="3200" dirty="0"/>
-              <a:t> dimensions in the output layer). </a:t>
-            </a:r>
-          </a:p>
-          <a:p>
-            <a:pPr lvl="1" algn="l" rtl="0"/>
-            <a:r>
-              <a:rPr lang="en-US" sz="3200" dirty="0"/>
-              <a:t>Resulted in high overfitting, the net learned to classify all samples as “young”.</a:t>
-            </a:r>
-          </a:p>
-          <a:p>
-            <a:pPr lvl="1" algn="l" rtl="0"/>
-            <a:endParaRPr lang="en-US" sz="3200" dirty="0"/>
-          </a:p>
-          <a:p>
-            <a:pPr lvl="1" algn="l" rtl="0"/>
+              <a:rPr lang="en-US" sz="2800" dirty="0"/>
+              <a:t> from 1024 to 128 or 64, to make the model less complex.</a:t>
+            </a:r>
+          </a:p>
+          <a:p>
+            <a:pPr lvl="2" algn="l" rtl="0"/>
+            <a:r>
+              <a:rPr lang="en-US" sz="2800" dirty="0"/>
+              <a:t>Apply permutations on each sample. In my training the first row in each sample is always the same point, and that might affect the network’s ability to generalize.</a:t>
+            </a:r>
+          </a:p>
+          <a:p>
+            <a:pPr lvl="2" algn="l" rtl="0"/>
+            <a:r>
+              <a:rPr lang="en-US" sz="2800" dirty="0"/>
+              <a:t>Data augmentations:</a:t>
+            </a:r>
+          </a:p>
+          <a:p>
+            <a:pPr lvl="3" algn="l" rtl="0"/>
+            <a:r>
+              <a:rPr lang="en-US" sz="2600" dirty="0"/>
+              <a:t>Add random noise of [-X, X] (in mm) to each point.</a:t>
+            </a:r>
+          </a:p>
+          <a:p>
+            <a:pPr lvl="3" algn="l" rtl="0"/>
+            <a:r>
+              <a:rPr lang="en-US" sz="2800" dirty="0"/>
+              <a:t>Rotate the point cloud along the Y axis.</a:t>
+            </a:r>
+          </a:p>
+          <a:p>
+            <a:pPr lvl="3" algn="l" rtl="0"/>
+            <a:r>
+              <a:rPr lang="en-US" sz="2800" dirty="0"/>
+              <a:t>"Construct" new old people, by taking old sample and switching only the points that are "hands" or "legs" with young sample.</a:t>
+            </a:r>
             <a:endParaRPr lang="en-US" sz="3200" dirty="0"/>
           </a:p>
           <a:p>
             <a:pPr marL="457200" lvl="1" indent="0" algn="l" rtl="0">
               <a:buNone/>
             </a:pPr>
-            <a:r>
-              <a:rPr lang="en-US" sz="2800" dirty="0"/>
-              <a:t>	</a:t>
-            </a:r>
-          </a:p>
-        </p:txBody>
-      </p:sp>
-      <p:pic>
-        <p:nvPicPr>
-          <p:cNvPr id="5" name="Picture 4" descr="Graphical user interface, chart&#10;&#10;Description automatically generated">
-            <a:extLst>
-              <a:ext uri="{FF2B5EF4-FFF2-40B4-BE49-F238E27FC236}">
-                <a16:creationId xmlns:a16="http://schemas.microsoft.com/office/drawing/2014/main" id="{CB4F1135-A172-4603-9F8C-C0C3A234D4C4}"/>
-              </a:ext>
-            </a:extLst>
-          </p:cNvPr>
-          <p:cNvPicPr>
-            <a:picLocks noChangeAspect="1"/>
-          </p:cNvPicPr>
+            <a:endParaRPr lang="en-US" sz="2800" dirty="0"/>
+          </a:p>
+        </p:txBody>
+      </p:sp>
+      <p:sp>
+        <p:nvSpPr>
+          <p:cNvPr id="4" name="Rectangle 3">
+            <a:extLst>
+              <a:ext uri="{FF2B5EF4-FFF2-40B4-BE49-F238E27FC236}">
+                <a16:creationId xmlns:a16="http://schemas.microsoft.com/office/drawing/2014/main" id="{FFDBE43A-9B12-4E2C-AB6A-E28AEE23C528}"/>
+              </a:ext>
+            </a:extLst>
+          </p:cNvPr>
+          <p:cNvSpPr/>
           <p:nvPr/>
-        </p:nvPicPr>
-        <p:blipFill>
-          <a:blip r:embed="rId2">
-            <a:extLst>
-              <a:ext uri="{28A0092B-C50C-407E-A947-70E740481C1C}">
-                <a14:useLocalDpi xmlns:a14="http://schemas.microsoft.com/office/drawing/2010/main" val="0"/>
-              </a:ext>
-            </a:extLst>
-          </a:blip>
-          <a:stretch>
-            <a:fillRect/>
-          </a:stretch>
-        </p:blipFill>
+        </p:nvSpPr>
         <p:spPr>
           <a:xfrm>
-            <a:off x="473662" y="3959980"/>
-            <a:ext cx="3783107" cy="2236633"/>
+            <a:off x="79900" y="71020"/>
+            <a:ext cx="12011486" cy="6693763"/>
           </a:xfrm>
           <a:prstGeom prst="rect">
             <a:avLst/>
           </a:prstGeom>
+          <a:noFill/>
+          <a:ln w="190500">
+            <a:solidFill>
+              <a:srgbClr val="00B050"/>
+            </a:solidFill>
+          </a:ln>
         </p:spPr>
-      </p:pic>
-      <p:pic>
-        <p:nvPicPr>
-          <p:cNvPr id="7" name="Picture 6" descr="Graphical user interface, chart, application&#10;&#10;Description automatically generated">
-            <a:extLst>
-              <a:ext uri="{FF2B5EF4-FFF2-40B4-BE49-F238E27FC236}">
-                <a16:creationId xmlns:a16="http://schemas.microsoft.com/office/drawing/2014/main" id="{FDCC19B3-4257-4D40-9929-1105FF43EA4E}"/>
-              </a:ext>
-            </a:extLst>
-          </p:cNvPr>
-          <p:cNvPicPr>
-            <a:picLocks noChangeAspect="1"/>
-          </p:cNvPicPr>
-          <p:nvPr/>
-        </p:nvPicPr>
-        <p:blipFill>
-          <a:blip r:embed="rId3">
-            <a:extLst>
-              <a:ext uri="{28A0092B-C50C-407E-A947-70E740481C1C}">
-                <a14:useLocalDpi xmlns:a14="http://schemas.microsoft.com/office/drawing/2010/main" val="0"/>
-              </a:ext>
-            </a:extLst>
-          </a:blip>
-          <a:stretch>
-            <a:fillRect/>
-          </a:stretch>
-        </p:blipFill>
-        <p:spPr>
-          <a:xfrm>
-            <a:off x="4318300" y="3965549"/>
-            <a:ext cx="3783107" cy="2231064"/>
-          </a:xfrm>
-          <a:prstGeom prst="rect">
-            <a:avLst/>
-          </a:prstGeom>
-        </p:spPr>
-      </p:pic>
-      <p:pic>
-        <p:nvPicPr>
-          <p:cNvPr id="9" name="Picture 8" descr="Chart, line chart, histogram&#10;&#10;Description automatically generated">
-            <a:extLst>
-              <a:ext uri="{FF2B5EF4-FFF2-40B4-BE49-F238E27FC236}">
-                <a16:creationId xmlns:a16="http://schemas.microsoft.com/office/drawing/2014/main" id="{322BD127-C6EA-4EDE-83FC-E103183F1488}"/>
-              </a:ext>
-            </a:extLst>
-          </p:cNvPr>
-          <p:cNvPicPr>
-            <a:picLocks noChangeAspect="1"/>
-          </p:cNvPicPr>
-          <p:nvPr/>
-        </p:nvPicPr>
-        <p:blipFill>
-          <a:blip r:embed="rId4">
-            <a:extLst>
-              <a:ext uri="{28A0092B-C50C-407E-A947-70E740481C1C}">
-                <a14:useLocalDpi xmlns:a14="http://schemas.microsoft.com/office/drawing/2010/main" val="0"/>
-              </a:ext>
-            </a:extLst>
-          </a:blip>
-          <a:stretch>
-            <a:fillRect/>
-          </a:stretch>
-        </p:blipFill>
-        <p:spPr>
-          <a:xfrm>
-            <a:off x="8188251" y="3977197"/>
-            <a:ext cx="3783107" cy="2229906"/>
-          </a:xfrm>
-          <a:prstGeom prst="rect">
-            <a:avLst/>
-          </a:prstGeom>
-        </p:spPr>
-      </p:pic>
+        <p:style>
+          <a:lnRef idx="2">
+            <a:schemeClr val="accent1">
+              <a:shade val="50000"/>
+            </a:schemeClr>
+          </a:lnRef>
+          <a:fillRef idx="1">
+            <a:schemeClr val="accent1"/>
+          </a:fillRef>
+          <a:effectRef idx="0">
+            <a:schemeClr val="accent1"/>
+          </a:effectRef>
+          <a:fontRef idx="minor">
+            <a:schemeClr val="lt1"/>
+          </a:fontRef>
+        </p:style>
+        <p:txBody>
+          <a:bodyPr rtlCol="0" anchor="ctr"/>
+          <a:lstStyle/>
+          <a:p>
+            <a:pPr algn="ctr"/>
+            <a:endParaRPr lang="en-US" dirty="0"/>
+          </a:p>
+        </p:txBody>
+      </p:sp>
     </p:spTree>
     <p:extLst>
       <p:ext uri="{BB962C8B-B14F-4D97-AF65-F5344CB8AC3E}">
-        <p14:creationId xmlns:p14="http://schemas.microsoft.com/office/powerpoint/2010/main" val="3213696490"/>
+        <p14:creationId xmlns:p14="http://schemas.microsoft.com/office/powerpoint/2010/main" val="3414169302"/>
       </p:ext>
     </p:extLst>
   </p:cSld>
@@ -7794,13 +7915,13 @@
         </p:nvSpPr>
         <p:spPr>
           <a:xfrm>
-            <a:off x="655664" y="995561"/>
+            <a:off x="655664" y="1084338"/>
             <a:ext cx="10515600" cy="5112275"/>
           </a:xfrm>
         </p:spPr>
         <p:txBody>
           <a:bodyPr>
-            <a:normAutofit lnSpcReduction="10000"/>
+            <a:normAutofit/>
           </a:bodyPr>
           <a:lstStyle/>
           <a:p>
@@ -7809,7 +7930,7 @@
             </a:pPr>
             <a:r>
               <a:rPr lang="en-US" sz="3200" b="1" dirty="0"/>
-              <a:t>To be done - Plan A</a:t>
+              <a:t>Main Progress - Plan B</a:t>
             </a:r>
             <a:endParaRPr lang="en-US" sz="3200" dirty="0"/>
           </a:p>
@@ -7817,124 +7938,38 @@
             <a:pPr lvl="1" algn="l" rtl="0"/>
             <a:r>
               <a:rPr lang="en-US" sz="3200" dirty="0"/>
-              <a:t>In order to reduce the overfitting:</a:t>
-            </a:r>
-          </a:p>
-          <a:p>
-            <a:pPr lvl="2" algn="l" rtl="0"/>
-            <a:r>
-              <a:rPr lang="en-US" sz="2800" dirty="0"/>
-              <a:t>Reduce the dimensions of the embedding vector in </a:t>
-            </a:r>
-            <a:r>
-              <a:rPr lang="en-US" sz="2800" dirty="0" err="1"/>
-              <a:t>PointNet</a:t>
-            </a:r>
-            <a:r>
-              <a:rPr lang="en-US" sz="2800" dirty="0"/>
-              <a:t> from 1024 to 128 or 64, to make the model less complex.</a:t>
-            </a:r>
-          </a:p>
-          <a:p>
-            <a:pPr lvl="2" algn="l" rtl="0"/>
-            <a:r>
-              <a:rPr lang="en-US" sz="2800" dirty="0"/>
-              <a:t>Apply permutations on each sample. In my training the first row in each sample is always the same point, and that might affect the network’s ability to generalize.</a:t>
-            </a:r>
-          </a:p>
-          <a:p>
-            <a:pPr lvl="2" algn="l" rtl="0"/>
-            <a:r>
-              <a:rPr lang="en-US" sz="2800" dirty="0"/>
-              <a:t>Data augmentations:</a:t>
-            </a:r>
-          </a:p>
-          <a:p>
-            <a:pPr lvl="3" algn="l" rtl="0"/>
-            <a:r>
-              <a:rPr lang="en-US" sz="2600" dirty="0"/>
-              <a:t>Add random noise of [-X, X] (in mm) to each point.</a:t>
-            </a:r>
-          </a:p>
-          <a:p>
-            <a:pPr lvl="3" algn="l" rtl="0"/>
-            <a:r>
-              <a:rPr lang="en-US" sz="2800" dirty="0"/>
-              <a:t>Rotate the point cloud along the Y axis.</a:t>
-            </a:r>
-          </a:p>
-          <a:p>
-            <a:pPr lvl="3" algn="l" rtl="0"/>
-            <a:r>
-              <a:rPr lang="en-US" sz="2800" dirty="0"/>
-              <a:t>"Construct" new old people, by taking old sample and switching only the points that are "hands" or "legs" with young sample.</a:t>
-            </a:r>
-            <a:endParaRPr lang="en-US" sz="3200" dirty="0"/>
+              <a:t>For each sample, calculate 4 angles that has connection to the human posture. Classify the samples based on these 4 angles.</a:t>
+            </a:r>
+          </a:p>
+          <a:p>
+            <a:pPr lvl="1" algn="l" rtl="0"/>
+            <a:r>
+              <a:rPr lang="en-US" sz="3200" dirty="0"/>
+              <a:t>Ran on the data several classifiers (KNN, SVM, Random forest), poor results on test set.</a:t>
+            </a:r>
+          </a:p>
+          <a:p>
+            <a:pPr lvl="1" algn="l" rtl="0"/>
+            <a:r>
+              <a:rPr lang="en-US" sz="3200" dirty="0"/>
+              <a:t>Dimensionality reduction algorithms were applied on the data, to visualize it. Visualization show that there is no clear separation in the data.</a:t>
+            </a:r>
           </a:p>
           <a:p>
             <a:pPr marL="457200" lvl="1" indent="0" algn="l" rtl="0">
               <a:buNone/>
             </a:pPr>
-            <a:endParaRPr lang="en-US" sz="2800" dirty="0"/>
-          </a:p>
-        </p:txBody>
-      </p:sp>
-      <p:sp>
-        <p:nvSpPr>
-          <p:cNvPr id="4" name="Rectangle 3">
-            <a:extLst>
-              <a:ext uri="{FF2B5EF4-FFF2-40B4-BE49-F238E27FC236}">
-                <a16:creationId xmlns:a16="http://schemas.microsoft.com/office/drawing/2014/main" id="{FFDBE43A-9B12-4E2C-AB6A-E28AEE23C528}"/>
-              </a:ext>
-            </a:extLst>
-          </p:cNvPr>
-          <p:cNvSpPr/>
-          <p:nvPr/>
-        </p:nvSpPr>
-        <p:spPr>
-          <a:xfrm>
-            <a:off x="79900" y="71020"/>
-            <a:ext cx="12011486" cy="6693763"/>
-          </a:xfrm>
-          <a:prstGeom prst="rect">
-            <a:avLst/>
-          </a:prstGeom>
-          <a:noFill/>
-          <a:ln w="190500">
-            <a:solidFill>
-              <a:srgbClr val="00B050"/>
-            </a:solidFill>
-          </a:ln>
-        </p:spPr>
-        <p:style>
-          <a:lnRef idx="2">
-            <a:schemeClr val="accent1">
-              <a:shade val="50000"/>
-            </a:schemeClr>
-          </a:lnRef>
-          <a:fillRef idx="1">
-            <a:schemeClr val="accent1"/>
-          </a:fillRef>
-          <a:effectRef idx="0">
-            <a:schemeClr val="accent1"/>
-          </a:effectRef>
-          <a:fontRef idx="minor">
-            <a:schemeClr val="lt1"/>
-          </a:fontRef>
-        </p:style>
-        <p:txBody>
-          <a:bodyPr rtlCol="0" anchor="ctr"/>
-          <a:lstStyle/>
-          <a:p>
-            <a:pPr algn="ctr"/>
-            <a:endParaRPr lang="en-US" dirty="0"/>
+            <a:r>
+              <a:rPr lang="en-US" sz="2800" dirty="0"/>
+              <a:t>	</a:t>
+            </a:r>
           </a:p>
         </p:txBody>
       </p:sp>
     </p:spTree>
     <p:extLst>
       <p:ext uri="{BB962C8B-B14F-4D97-AF65-F5344CB8AC3E}">
-        <p14:creationId xmlns:p14="http://schemas.microsoft.com/office/powerpoint/2010/main" val="3414169302"/>
+        <p14:creationId xmlns:p14="http://schemas.microsoft.com/office/powerpoint/2010/main" val="874482653"/>
       </p:ext>
     </p:extLst>
   </p:cSld>
@@ -8013,25 +8048,184 @@
           </a:p>
         </p:txBody>
       </p:sp>
-      <p:sp>
-        <p:nvSpPr>
-          <p:cNvPr id="3" name="מציין מיקום תוכן 2">
-            <a:extLst>
-              <a:ext uri="{FF2B5EF4-FFF2-40B4-BE49-F238E27FC236}">
-                <a16:creationId xmlns:a16="http://schemas.microsoft.com/office/drawing/2014/main" id="{CDC31AC1-2E7E-4447-A030-AB760CDC5E37}"/>
-              </a:ext>
-            </a:extLst>
-          </p:cNvPr>
-          <p:cNvSpPr>
-            <a:spLocks noGrp="1"/>
-          </p:cNvSpPr>
-          <p:nvPr>
-            <p:ph idx="1"/>
-          </p:nvPr>
-        </p:nvSpPr>
+      <p:pic>
+        <p:nvPicPr>
+          <p:cNvPr id="4" name="Picture 3" descr="Chart, scatter chart&#10;&#10;Description automatically generated">
+            <a:extLst>
+              <a:ext uri="{FF2B5EF4-FFF2-40B4-BE49-F238E27FC236}">
+                <a16:creationId xmlns:a16="http://schemas.microsoft.com/office/drawing/2014/main" id="{2F8FB9FC-AD32-4729-9A4B-774303800195}"/>
+              </a:ext>
+            </a:extLst>
+          </p:cNvPr>
+          <p:cNvPicPr>
+            <a:picLocks noChangeAspect="1"/>
+          </p:cNvPicPr>
+          <p:nvPr/>
+        </p:nvPicPr>
+        <p:blipFill>
+          <a:blip r:embed="rId2" cstate="print">
+            <a:extLst>
+              <a:ext uri="{28A0092B-C50C-407E-A947-70E740481C1C}">
+                <a14:useLocalDpi xmlns:a14="http://schemas.microsoft.com/office/drawing/2010/main" val="0"/>
+              </a:ext>
+            </a:extLst>
+          </a:blip>
+          <a:srcRect/>
+          <a:stretch>
+            <a:fillRect/>
+          </a:stretch>
+        </p:blipFill>
+        <p:spPr bwMode="auto">
+          <a:xfrm>
+            <a:off x="1075678" y="1260629"/>
+            <a:ext cx="5020322" cy="5020322"/>
+          </a:xfrm>
+          <a:prstGeom prst="rect">
+            <a:avLst/>
+          </a:prstGeom>
+          <a:noFill/>
+          <a:ln>
+            <a:noFill/>
+          </a:ln>
+        </p:spPr>
+      </p:pic>
+      <p:pic>
+        <p:nvPicPr>
+          <p:cNvPr id="8" name="Picture 7" descr="Chart, scatter chart&#10;&#10;Description automatically generated">
+            <a:extLst>
+              <a:ext uri="{FF2B5EF4-FFF2-40B4-BE49-F238E27FC236}">
+                <a16:creationId xmlns:a16="http://schemas.microsoft.com/office/drawing/2014/main" id="{6B762B02-3732-47A2-9C0F-C98AF17485A6}"/>
+              </a:ext>
+            </a:extLst>
+          </p:cNvPr>
+          <p:cNvPicPr>
+            <a:picLocks noChangeAspect="1"/>
+          </p:cNvPicPr>
+          <p:nvPr/>
+        </p:nvPicPr>
+        <p:blipFill>
+          <a:blip r:embed="rId3">
+            <a:extLst>
+              <a:ext uri="{28A0092B-C50C-407E-A947-70E740481C1C}">
+                <a14:useLocalDpi xmlns:a14="http://schemas.microsoft.com/office/drawing/2010/main" val="0"/>
+              </a:ext>
+            </a:extLst>
+          </a:blip>
+          <a:stretch>
+            <a:fillRect/>
+          </a:stretch>
+        </p:blipFill>
         <p:spPr>
           <a:xfrm>
-            <a:off x="655664" y="1084338"/>
+            <a:off x="6516014" y="1198485"/>
+            <a:ext cx="5172245" cy="5172245"/>
+          </a:xfrm>
+          <a:prstGeom prst="rect">
+            <a:avLst/>
+          </a:prstGeom>
+        </p:spPr>
+      </p:pic>
+    </p:spTree>
+    <p:extLst>
+      <p:ext uri="{BB962C8B-B14F-4D97-AF65-F5344CB8AC3E}">
+        <p14:creationId xmlns:p14="http://schemas.microsoft.com/office/powerpoint/2010/main" val="16183710"/>
+      </p:ext>
+    </p:extLst>
+  </p:cSld>
+  <p:clrMapOvr>
+    <a:masterClrMapping/>
+  </p:clrMapOvr>
+</p:sld>
+</file>
+
+<file path=ppt/slides/slide19.xml><?xml version="1.0" encoding="utf-8"?>
+<p:sld xmlns:a="http://schemas.openxmlformats.org/drawingml/2006/main" xmlns:r="http://schemas.openxmlformats.org/officeDocument/2006/relationships" xmlns:p="http://schemas.openxmlformats.org/presentationml/2006/main">
+  <p:cSld>
+    <p:bg>
+      <p:bgPr>
+        <a:solidFill>
+          <a:schemeClr val="bg1"/>
+        </a:solidFill>
+        <a:effectLst/>
+      </p:bgPr>
+    </p:bg>
+    <p:spTree>
+      <p:nvGrpSpPr>
+        <p:cNvPr id="1" name=""/>
+        <p:cNvGrpSpPr/>
+        <p:nvPr/>
+      </p:nvGrpSpPr>
+      <p:grpSpPr>
+        <a:xfrm>
+          <a:off x="0" y="0"/>
+          <a:ext cx="0" cy="0"/>
+          <a:chOff x="0" y="0"/>
+          <a:chExt cx="0" cy="0"/>
+        </a:xfrm>
+      </p:grpSpPr>
+      <p:sp>
+        <p:nvSpPr>
+          <p:cNvPr id="2" name="כותרת 1">
+            <a:extLst>
+              <a:ext uri="{FF2B5EF4-FFF2-40B4-BE49-F238E27FC236}">
+                <a16:creationId xmlns:a16="http://schemas.microsoft.com/office/drawing/2014/main" id="{FF20CD63-9AC5-407E-9405-04DE5BB01C78}"/>
+              </a:ext>
+            </a:extLst>
+          </p:cNvPr>
+          <p:cNvSpPr>
+            <a:spLocks noGrp="1"/>
+          </p:cNvSpPr>
+          <p:nvPr>
+            <p:ph type="title"/>
+          </p:nvPr>
+        </p:nvSpPr>
+        <p:spPr>
+          <a:xfrm>
+            <a:off x="655664" y="346464"/>
+            <a:ext cx="10515600" cy="1021961"/>
+          </a:xfrm>
+        </p:spPr>
+        <p:txBody>
+          <a:bodyPr>
+            <a:normAutofit fontScale="90000"/>
+          </a:bodyPr>
+          <a:lstStyle/>
+          <a:p>
+            <a:pPr algn="l" rtl="0"/>
+            <a:r>
+              <a:rPr lang="en-US" sz="3200" dirty="0">
+                <a:solidFill>
+                  <a:srgbClr val="00B050"/>
+                </a:solidFill>
+              </a:rPr>
+              <a:t>Age prediction from posture</a:t>
+            </a:r>
+            <a:br>
+              <a:rPr lang="en-US" dirty="0"/>
+            </a:br>
+            <a:endParaRPr lang="en-US" dirty="0"/>
+          </a:p>
+        </p:txBody>
+      </p:sp>
+      <p:sp>
+        <p:nvSpPr>
+          <p:cNvPr id="3" name="מציין מיקום תוכן 2">
+            <a:extLst>
+              <a:ext uri="{FF2B5EF4-FFF2-40B4-BE49-F238E27FC236}">
+                <a16:creationId xmlns:a16="http://schemas.microsoft.com/office/drawing/2014/main" id="{CDC31AC1-2E7E-4447-A030-AB760CDC5E37}"/>
+              </a:ext>
+            </a:extLst>
+          </p:cNvPr>
+          <p:cNvSpPr>
+            <a:spLocks noGrp="1"/>
+          </p:cNvSpPr>
+          <p:nvPr>
+            <p:ph idx="1"/>
+          </p:nvPr>
+        </p:nvSpPr>
+        <p:spPr>
+          <a:xfrm>
+            <a:off x="655664" y="995561"/>
             <a:ext cx="10515600" cy="5112275"/>
           </a:xfrm>
         </p:spPr>
@@ -8046,32 +8240,136 @@
             </a:pPr>
             <a:r>
               <a:rPr lang="en-US" sz="3200" b="1" dirty="0"/>
-              <a:t>Main steps were done - Plan B</a:t>
+              <a:t>Future work - Plan B</a:t>
             </a:r>
             <a:endParaRPr lang="en-US" sz="3200" dirty="0"/>
-          </a:p>
-          <a:p>
-            <a:pPr lvl="1" algn="l" rtl="0"/>
-            <a:r>
-              <a:rPr lang="en-US" sz="3200" dirty="0"/>
-              <a:t>For each sample, calculate 4 angles that has connection to posture. Classify the samples based on these 4 angles.</a:t>
-            </a:r>
           </a:p>
           <a:p>
             <a:pPr marL="457200" lvl="1" indent="0" algn="l" rtl="0">
               <a:buNone/>
             </a:pPr>
-            <a:r>
-              <a:rPr lang="en-US" sz="2800" dirty="0"/>
-              <a:t>	</a:t>
-            </a:r>
-          </a:p>
-        </p:txBody>
-      </p:sp>
+            <a:endParaRPr lang="en-US" sz="3200" dirty="0"/>
+          </a:p>
+          <a:p>
+            <a:pPr lvl="1" algn="l" rtl="0"/>
+            <a:r>
+              <a:rPr lang="en-US" sz="3200" dirty="0"/>
+              <a:t>Well, clearly – collect more data.</a:t>
+            </a:r>
+          </a:p>
+          <a:p>
+            <a:pPr lvl="1" algn="l" rtl="0"/>
+            <a:r>
+              <a:rPr lang="en-US" sz="3200" dirty="0"/>
+              <a:t>Long shot, bear with me: perhaps 3D human body datasets can be used (?).</a:t>
+            </a:r>
+          </a:p>
+          <a:p>
+            <a:pPr marL="457200" lvl="1" indent="0" algn="l" rtl="0">
+              <a:buNone/>
+            </a:pPr>
+            <a:endParaRPr lang="en-US" sz="3200" dirty="0"/>
+          </a:p>
+          <a:p>
+            <a:pPr marL="457200" lvl="1" indent="0" algn="l" rtl="0">
+              <a:buNone/>
+            </a:pPr>
+            <a:endParaRPr lang="en-US" sz="2800" dirty="0"/>
+          </a:p>
+          <a:p>
+            <a:pPr marL="457200" lvl="1" indent="0" algn="l" rtl="0">
+              <a:buNone/>
+            </a:pPr>
+            <a:endParaRPr lang="en-US" sz="2800" dirty="0"/>
+          </a:p>
+        </p:txBody>
+      </p:sp>
+      <p:sp>
+        <p:nvSpPr>
+          <p:cNvPr id="4" name="Rectangle 3">
+            <a:extLst>
+              <a:ext uri="{FF2B5EF4-FFF2-40B4-BE49-F238E27FC236}">
+                <a16:creationId xmlns:a16="http://schemas.microsoft.com/office/drawing/2014/main" id="{FFDBE43A-9B12-4E2C-AB6A-E28AEE23C528}"/>
+              </a:ext>
+            </a:extLst>
+          </p:cNvPr>
+          <p:cNvSpPr/>
+          <p:nvPr/>
+        </p:nvSpPr>
+        <p:spPr>
+          <a:xfrm>
+            <a:off x="79900" y="71020"/>
+            <a:ext cx="12011486" cy="6693763"/>
+          </a:xfrm>
+          <a:prstGeom prst="rect">
+            <a:avLst/>
+          </a:prstGeom>
+          <a:noFill/>
+          <a:ln w="190500">
+            <a:solidFill>
+              <a:srgbClr val="00B050"/>
+            </a:solidFill>
+          </a:ln>
+        </p:spPr>
+        <p:style>
+          <a:lnRef idx="2">
+            <a:schemeClr val="accent1">
+              <a:shade val="50000"/>
+            </a:schemeClr>
+          </a:lnRef>
+          <a:fillRef idx="1">
+            <a:schemeClr val="accent1"/>
+          </a:fillRef>
+          <a:effectRef idx="0">
+            <a:schemeClr val="accent1"/>
+          </a:effectRef>
+          <a:fontRef idx="minor">
+            <a:schemeClr val="lt1"/>
+          </a:fontRef>
+        </p:style>
+        <p:txBody>
+          <a:bodyPr rtlCol="0" anchor="ctr"/>
+          <a:lstStyle/>
+          <a:p>
+            <a:pPr algn="ctr"/>
+            <a:endParaRPr lang="en-US" dirty="0"/>
+          </a:p>
+        </p:txBody>
+      </p:sp>
+      <p:pic>
+        <p:nvPicPr>
+          <p:cNvPr id="6" name="Picture 5">
+            <a:extLst>
+              <a:ext uri="{FF2B5EF4-FFF2-40B4-BE49-F238E27FC236}">
+                <a16:creationId xmlns:a16="http://schemas.microsoft.com/office/drawing/2014/main" id="{D68A1164-218E-4A9D-A5B4-DF8F6C4E0B9C}"/>
+              </a:ext>
+            </a:extLst>
+          </p:cNvPr>
+          <p:cNvPicPr>
+            <a:picLocks noChangeAspect="1"/>
+          </p:cNvPicPr>
+          <p:nvPr/>
+        </p:nvPicPr>
+        <p:blipFill>
+          <a:blip r:embed="rId2"/>
+          <a:stretch>
+            <a:fillRect/>
+          </a:stretch>
+        </p:blipFill>
+        <p:spPr>
+          <a:xfrm>
+            <a:off x="4880880" y="3693741"/>
+            <a:ext cx="6361406" cy="2488373"/>
+          </a:xfrm>
+          <a:prstGeom prst="rect">
+            <a:avLst/>
+          </a:prstGeom>
+        </p:spPr>
+      </p:pic>
     </p:spTree>
     <p:extLst>
       <p:ext uri="{BB962C8B-B14F-4D97-AF65-F5344CB8AC3E}">
-        <p14:creationId xmlns:p14="http://schemas.microsoft.com/office/powerpoint/2010/main" val="874482653"/>
+        <p14:creationId xmlns:p14="http://schemas.microsoft.com/office/powerpoint/2010/main" val="1705963809"/>
       </p:ext>
     </p:extLst>
   </p:cSld>
@@ -8138,6 +8436,80 @@
     <p:extLst>
       <p:ext uri="{BB962C8B-B14F-4D97-AF65-F5344CB8AC3E}">
         <p14:creationId xmlns:p14="http://schemas.microsoft.com/office/powerpoint/2010/main" val="2837389113"/>
+      </p:ext>
+    </p:extLst>
+  </p:cSld>
+  <p:clrMapOvr>
+    <a:masterClrMapping/>
+  </p:clrMapOvr>
+</p:sld>
+</file>
+
+<file path=ppt/slides/slide20.xml><?xml version="1.0" encoding="utf-8"?>
+<p:sld xmlns:a="http://schemas.openxmlformats.org/drawingml/2006/main" xmlns:r="http://schemas.openxmlformats.org/officeDocument/2006/relationships" xmlns:p="http://schemas.openxmlformats.org/presentationml/2006/main">
+  <p:cSld>
+    <p:bg>
+      <p:bgPr>
+        <a:solidFill>
+          <a:schemeClr val="bg1"/>
+        </a:solidFill>
+        <a:effectLst/>
+      </p:bgPr>
+    </p:bg>
+    <p:spTree>
+      <p:nvGrpSpPr>
+        <p:cNvPr id="1" name=""/>
+        <p:cNvGrpSpPr/>
+        <p:nvPr/>
+      </p:nvGrpSpPr>
+      <p:grpSpPr>
+        <a:xfrm>
+          <a:off x="0" y="0"/>
+          <a:ext cx="0" cy="0"/>
+          <a:chOff x="0" y="0"/>
+          <a:chExt cx="0" cy="0"/>
+        </a:xfrm>
+      </p:grpSpPr>
+      <p:sp>
+        <p:nvSpPr>
+          <p:cNvPr id="2" name="Title 1">
+            <a:extLst>
+              <a:ext uri="{FF2B5EF4-FFF2-40B4-BE49-F238E27FC236}">
+                <a16:creationId xmlns:a16="http://schemas.microsoft.com/office/drawing/2014/main" id="{A615B6F8-B377-41B9-8D57-B807B110AB06}"/>
+              </a:ext>
+            </a:extLst>
+          </p:cNvPr>
+          <p:cNvSpPr>
+            <a:spLocks noGrp="1"/>
+          </p:cNvSpPr>
+          <p:nvPr>
+            <p:ph type="title"/>
+          </p:nvPr>
+        </p:nvSpPr>
+        <p:spPr>
+          <a:xfrm>
+            <a:off x="838200" y="2103437"/>
+            <a:ext cx="10515600" cy="1325563"/>
+          </a:xfrm>
+        </p:spPr>
+        <p:txBody>
+          <a:bodyPr>
+            <a:normAutofit fontScale="90000"/>
+          </a:bodyPr>
+          <a:lstStyle/>
+          <a:p>
+            <a:pPr algn="ctr" rtl="0"/>
+            <a:r>
+              <a:rPr lang="en-US" sz="9600" dirty="0"/>
+              <a:t>Thanks!</a:t>
+            </a:r>
+          </a:p>
+        </p:txBody>
+      </p:sp>
+    </p:spTree>
+    <p:extLst>
+      <p:ext uri="{BB962C8B-B14F-4D97-AF65-F5344CB8AC3E}">
+        <p14:creationId xmlns:p14="http://schemas.microsoft.com/office/powerpoint/2010/main" val="1312710398"/>
       </p:ext>
     </p:extLst>
   </p:cSld>
@@ -8849,7 +9221,7 @@
             </a:pPr>
             <a:r>
               <a:rPr lang="en-US" sz="4000" b="1" dirty="0"/>
-              <a:t>Dataset – Main steps were done</a:t>
+              <a:t>Dataset – Main Progress</a:t>
             </a:r>
           </a:p>
           <a:p>
@@ -9078,7 +9450,7 @@
             </a:pPr>
             <a:r>
               <a:rPr lang="en-US" sz="4000" b="1" dirty="0"/>
-              <a:t>Dataset – Main steps were done</a:t>
+              <a:t>Dataset – Main Progress</a:t>
             </a:r>
           </a:p>
           <a:p>
@@ -9228,7 +9600,7 @@
             </a:pPr>
             <a:r>
               <a:rPr lang="en-US" sz="4000" b="1" dirty="0"/>
-              <a:t>Dataset – Main steps were done</a:t>
+              <a:t>Dataset – Main Progress</a:t>
             </a:r>
           </a:p>
           <a:p>
@@ -9411,7 +9783,7 @@
             </a:pPr>
             <a:r>
               <a:rPr lang="en-US" sz="4000" b="1" dirty="0"/>
-              <a:t>Dataset – Main steps were done</a:t>
+              <a:t>Dataset – Main Progress</a:t>
             </a:r>
           </a:p>
           <a:p>
